--- a/slides.pptx
+++ b/slides.pptx
@@ -120,6 +120,11 @@
       </a:defRPr>
     </a:lvl9pPr>
   </p:defaultTextStyle>
+  <p:extLst>
+    <p:ext uri="{EFAFB233-063F-42B5-8137-9DF3F51BA10A}">
+      <p15:sldGuideLst xmlns:p15="http://schemas.microsoft.com/office/powerpoint/2012/main"/>
+    </p:ext>
+  </p:extLst>
 </p:presentation>
 </file>
 
@@ -6685,7 +6690,7 @@
                 <a:latin typeface="Times New Roman" panose="02020603050405020304" pitchFamily="18" charset="0"/>
                 <a:cs typeface="Times New Roman" panose="02020603050405020304" pitchFamily="18" charset="0"/>
               </a:rPr>
-              <a:t>Variáveis, Blocos e Comentários</a:t>
+              <a:t>Variáveis, Escopos e Comentários</a:t>
             </a:r>
           </a:p>
         </p:txBody>
@@ -7246,7 +7251,7 @@
                 <a:latin typeface="Times New Roman" panose="02020603050405020304" pitchFamily="18" charset="0"/>
                 <a:cs typeface="Times New Roman" panose="02020603050405020304" pitchFamily="18" charset="0"/>
               </a:rPr>
-              <a:t>Operador Ternário</a:t>
+              <a:t>Operadores lógicos</a:t>
             </a:r>
           </a:p>
         </p:txBody>
@@ -7265,8 +7270,8 @@
         </p:nvSpPr>
         <p:spPr>
           <a:xfrm>
-            <a:off x="1074433" y="3167390"/>
-            <a:ext cx="10043134" cy="523220"/>
+            <a:off x="1074433" y="2951947"/>
+            <a:ext cx="10043134" cy="954107"/>
           </a:xfrm>
           <a:prstGeom prst="rect">
             <a:avLst/>
@@ -7279,7 +7284,24 @@
           </a:bodyPr>
           <a:lstStyle/>
           <a:p>
-            <a:pPr algn="ctr"/>
+            <a:r>
+              <a:rPr lang="pt-BR" sz="2800" dirty="0" err="1">
+                <a:latin typeface="Consolas" panose="020B0609020204030204" pitchFamily="49" charset="0"/>
+                <a:ea typeface="Fira Code" panose="020B0809050000020004" pitchFamily="49" charset="0"/>
+                <a:cs typeface="Fira Code" panose="020B0809050000020004" pitchFamily="49" charset="0"/>
+              </a:rPr>
+              <a:t>Int</a:t>
+            </a:r>
+            <a:r>
+              <a:rPr lang="pt-BR" sz="2800" dirty="0">
+                <a:latin typeface="Consolas" panose="020B0609020204030204" pitchFamily="49" charset="0"/>
+                <a:ea typeface="Fira Code" panose="020B0809050000020004" pitchFamily="49" charset="0"/>
+                <a:cs typeface="Fira Code" panose="020B0809050000020004" pitchFamily="49" charset="0"/>
+              </a:rPr>
+              <a:t> a = 1+1&lt;3 &amp;&amp; 5!=7 || 0&gt;10</a:t>
+            </a:r>
+          </a:p>
+          <a:p>
             <a:r>
               <a:rPr lang="pt-BR" sz="2800" dirty="0" err="1">
                 <a:latin typeface="Consolas" panose="020B0609020204030204" pitchFamily="49" charset="0"/>
